--- a/output/my_presentation.pptx
+++ b/output/my_presentation.pptx
@@ -4032,7 +4032,7 @@
         </p:blipFill>
         <p:spPr>
           <a:xfrm>
-            <a:off x="-1828800" y="2743200"/>
+            <a:off x="1828800" y="2743200"/>
             <a:ext cx="3657600" cy="2743200"/>
           </a:xfrm>
           <a:prstGeom prst="rect">
